--- a/PraticaCodificacaoV2.pptx
+++ b/PraticaCodificacaoV2.pptx
@@ -121,7 +121,7 @@
   </p:defaultTextStyle>
   <p:extLst>
     <p:ext uri="{EFAFB233-063F-42B5-8137-9DF3F51BA10A}">
-      <p15:sldGuideLst xmlns="" xmlns:p15="http://schemas.microsoft.com/office/powerpoint/2012/main"/>
+      <p15:sldGuideLst xmlns:p15="http://schemas.microsoft.com/office/powerpoint/2012/main" xmlns=""/>
     </p:ext>
   </p:extLst>
 </p:presentation>
@@ -379,7 +379,7 @@
     </p:spTree>
     <p:extLst>
       <p:ext uri="{BB962C8B-B14F-4D97-AF65-F5344CB8AC3E}">
-        <p14:creationId xmlns="" xmlns:p14="http://schemas.microsoft.com/office/powerpoint/2010/main" val="3710706427"/>
+        <p14:creationId xmlns:p14="http://schemas.microsoft.com/office/powerpoint/2010/main" xmlns="" val="3710706427"/>
       </p:ext>
     </p:extLst>
   </p:cSld>
@@ -678,7 +678,7 @@
           <a:blip r:embed="rId2">
             <a:extLst>
               <a:ext uri="{28A0092B-C50C-407E-A947-70E740481C1C}">
-                <a14:useLocalDpi xmlns="" xmlns:a14="http://schemas.microsoft.com/office/drawing/2010/main" val="0"/>
+                <a14:useLocalDpi xmlns:a14="http://schemas.microsoft.com/office/drawing/2010/main" xmlns="" val="0"/>
               </a:ext>
             </a:extLst>
           </a:blip>
@@ -779,7 +779,7 @@
             </a:clrChange>
             <a:extLst>
               <a:ext uri="{28A0092B-C50C-407E-A947-70E740481C1C}">
-                <a14:useLocalDpi xmlns="" xmlns:a14="http://schemas.microsoft.com/office/drawing/2010/main" val="0"/>
+                <a14:useLocalDpi xmlns:a14="http://schemas.microsoft.com/office/drawing/2010/main" xmlns="" val="0"/>
               </a:ext>
             </a:extLst>
           </a:blip>
@@ -823,7 +823,7 @@
             <a:blip r:embed="rId4">
               <a:extLst>
                 <a:ext uri="{28A0092B-C50C-407E-A947-70E740481C1C}">
-                  <a14:useLocalDpi xmlns="" xmlns:a14="http://schemas.microsoft.com/office/drawing/2010/main" val="0"/>
+                  <a14:useLocalDpi xmlns:a14="http://schemas.microsoft.com/office/drawing/2010/main" xmlns="" val="0"/>
                 </a:ext>
               </a:extLst>
             </a:blip>
@@ -852,7 +852,7 @@
             <a:blip r:embed="rId4">
               <a:extLst>
                 <a:ext uri="{28A0092B-C50C-407E-A947-70E740481C1C}">
-                  <a14:useLocalDpi xmlns="" xmlns:a14="http://schemas.microsoft.com/office/drawing/2010/main" val="0"/>
+                  <a14:useLocalDpi xmlns:a14="http://schemas.microsoft.com/office/drawing/2010/main" xmlns="" val="0"/>
                 </a:ext>
               </a:extLst>
             </a:blip>
@@ -881,7 +881,7 @@
             <a:blip r:embed="rId4">
               <a:extLst>
                 <a:ext uri="{28A0092B-C50C-407E-A947-70E740481C1C}">
-                  <a14:useLocalDpi xmlns="" xmlns:a14="http://schemas.microsoft.com/office/drawing/2010/main" val="0"/>
+                  <a14:useLocalDpi xmlns:a14="http://schemas.microsoft.com/office/drawing/2010/main" xmlns="" val="0"/>
                 </a:ext>
               </a:extLst>
             </a:blip>
@@ -910,7 +910,7 @@
             <a:blip r:embed="rId4">
               <a:extLst>
                 <a:ext uri="{28A0092B-C50C-407E-A947-70E740481C1C}">
-                  <a14:useLocalDpi xmlns="" xmlns:a14="http://schemas.microsoft.com/office/drawing/2010/main" val="0"/>
+                  <a14:useLocalDpi xmlns:a14="http://schemas.microsoft.com/office/drawing/2010/main" xmlns="" val="0"/>
                 </a:ext>
               </a:extLst>
             </a:blip>
@@ -939,7 +939,7 @@
             <a:blip r:embed="rId4">
               <a:extLst>
                 <a:ext uri="{28A0092B-C50C-407E-A947-70E740481C1C}">
-                  <a14:useLocalDpi xmlns="" xmlns:a14="http://schemas.microsoft.com/office/drawing/2010/main" val="0"/>
+                  <a14:useLocalDpi xmlns:a14="http://schemas.microsoft.com/office/drawing/2010/main" xmlns="" val="0"/>
                 </a:ext>
               </a:extLst>
             </a:blip>
@@ -968,7 +968,7 @@
             <a:blip r:embed="rId4">
               <a:extLst>
                 <a:ext uri="{28A0092B-C50C-407E-A947-70E740481C1C}">
-                  <a14:useLocalDpi xmlns="" xmlns:a14="http://schemas.microsoft.com/office/drawing/2010/main" val="0"/>
+                  <a14:useLocalDpi xmlns:a14="http://schemas.microsoft.com/office/drawing/2010/main" xmlns="" val="0"/>
                 </a:ext>
               </a:extLst>
             </a:blip>
@@ -989,7 +989,7 @@
     </p:spTree>
     <p:extLst>
       <p:ext uri="{BB962C8B-B14F-4D97-AF65-F5344CB8AC3E}">
-        <p14:creationId xmlns="" xmlns:p14="http://schemas.microsoft.com/office/powerpoint/2010/main" val="637170340"/>
+        <p14:creationId xmlns:p14="http://schemas.microsoft.com/office/powerpoint/2010/main" xmlns="" val="637170340"/>
       </p:ext>
     </p:extLst>
   </p:cSld>
@@ -1224,7 +1224,7 @@
           <a:blip r:embed="rId2">
             <a:extLst>
               <a:ext uri="{28A0092B-C50C-407E-A947-70E740481C1C}">
-                <a14:useLocalDpi xmlns="" xmlns:a14="http://schemas.microsoft.com/office/drawing/2010/main" val="0"/>
+                <a14:useLocalDpi xmlns:a14="http://schemas.microsoft.com/office/drawing/2010/main" xmlns="" val="0"/>
               </a:ext>
             </a:extLst>
           </a:blip>
@@ -1357,7 +1357,7 @@
             </a:clrChange>
             <a:extLst>
               <a:ext uri="{28A0092B-C50C-407E-A947-70E740481C1C}">
-                <a14:useLocalDpi xmlns="" xmlns:a14="http://schemas.microsoft.com/office/drawing/2010/main" val="0"/>
+                <a14:useLocalDpi xmlns:a14="http://schemas.microsoft.com/office/drawing/2010/main" xmlns="" val="0"/>
               </a:ext>
             </a:extLst>
           </a:blip>
@@ -1401,7 +1401,7 @@
             <a:blip r:embed="rId4">
               <a:extLst>
                 <a:ext uri="{28A0092B-C50C-407E-A947-70E740481C1C}">
-                  <a14:useLocalDpi xmlns="" xmlns:a14="http://schemas.microsoft.com/office/drawing/2010/main" val="0"/>
+                  <a14:useLocalDpi xmlns:a14="http://schemas.microsoft.com/office/drawing/2010/main" xmlns="" val="0"/>
                 </a:ext>
               </a:extLst>
             </a:blip>
@@ -1430,7 +1430,7 @@
             <a:blip r:embed="rId4">
               <a:extLst>
                 <a:ext uri="{28A0092B-C50C-407E-A947-70E740481C1C}">
-                  <a14:useLocalDpi xmlns="" xmlns:a14="http://schemas.microsoft.com/office/drawing/2010/main" val="0"/>
+                  <a14:useLocalDpi xmlns:a14="http://schemas.microsoft.com/office/drawing/2010/main" xmlns="" val="0"/>
                 </a:ext>
               </a:extLst>
             </a:blip>
@@ -1459,7 +1459,7 @@
             <a:blip r:embed="rId4">
               <a:extLst>
                 <a:ext uri="{28A0092B-C50C-407E-A947-70E740481C1C}">
-                  <a14:useLocalDpi xmlns="" xmlns:a14="http://schemas.microsoft.com/office/drawing/2010/main" val="0"/>
+                  <a14:useLocalDpi xmlns:a14="http://schemas.microsoft.com/office/drawing/2010/main" xmlns="" val="0"/>
                 </a:ext>
               </a:extLst>
             </a:blip>
@@ -1488,7 +1488,7 @@
             <a:blip r:embed="rId4">
               <a:extLst>
                 <a:ext uri="{28A0092B-C50C-407E-A947-70E740481C1C}">
-                  <a14:useLocalDpi xmlns="" xmlns:a14="http://schemas.microsoft.com/office/drawing/2010/main" val="0"/>
+                  <a14:useLocalDpi xmlns:a14="http://schemas.microsoft.com/office/drawing/2010/main" xmlns="" val="0"/>
                 </a:ext>
               </a:extLst>
             </a:blip>
@@ -1517,7 +1517,7 @@
             <a:blip r:embed="rId4">
               <a:extLst>
                 <a:ext uri="{28A0092B-C50C-407E-A947-70E740481C1C}">
-                  <a14:useLocalDpi xmlns="" xmlns:a14="http://schemas.microsoft.com/office/drawing/2010/main" val="0"/>
+                  <a14:useLocalDpi xmlns:a14="http://schemas.microsoft.com/office/drawing/2010/main" xmlns="" val="0"/>
                 </a:ext>
               </a:extLst>
             </a:blip>
@@ -1546,7 +1546,7 @@
             <a:blip r:embed="rId4">
               <a:extLst>
                 <a:ext uri="{28A0092B-C50C-407E-A947-70E740481C1C}">
-                  <a14:useLocalDpi xmlns="" xmlns:a14="http://schemas.microsoft.com/office/drawing/2010/main" val="0"/>
+                  <a14:useLocalDpi xmlns:a14="http://schemas.microsoft.com/office/drawing/2010/main" xmlns="" val="0"/>
                 </a:ext>
               </a:extLst>
             </a:blip>
@@ -1567,7 +1567,7 @@
     </p:spTree>
     <p:extLst>
       <p:ext uri="{BB962C8B-B14F-4D97-AF65-F5344CB8AC3E}">
-        <p14:creationId xmlns="" xmlns:p14="http://schemas.microsoft.com/office/powerpoint/2010/main" val="3221098427"/>
+        <p14:creationId xmlns:p14="http://schemas.microsoft.com/office/powerpoint/2010/main" xmlns="" val="3221098427"/>
       </p:ext>
     </p:extLst>
   </p:cSld>
@@ -1944,7 +1944,7 @@
           <a:blip r:embed="rId2">
             <a:extLst>
               <a:ext uri="{28A0092B-C50C-407E-A947-70E740481C1C}">
-                <a14:useLocalDpi xmlns="" xmlns:a14="http://schemas.microsoft.com/office/drawing/2010/main" val="0"/>
+                <a14:useLocalDpi xmlns:a14="http://schemas.microsoft.com/office/drawing/2010/main" xmlns="" val="0"/>
               </a:ext>
             </a:extLst>
           </a:blip>
@@ -2077,7 +2077,7 @@
             </a:clrChange>
             <a:extLst>
               <a:ext uri="{28A0092B-C50C-407E-A947-70E740481C1C}">
-                <a14:useLocalDpi xmlns="" xmlns:a14="http://schemas.microsoft.com/office/drawing/2010/main" val="0"/>
+                <a14:useLocalDpi xmlns:a14="http://schemas.microsoft.com/office/drawing/2010/main" xmlns="" val="0"/>
               </a:ext>
             </a:extLst>
           </a:blip>
@@ -2121,7 +2121,7 @@
             <a:blip r:embed="rId4">
               <a:extLst>
                 <a:ext uri="{28A0092B-C50C-407E-A947-70E740481C1C}">
-                  <a14:useLocalDpi xmlns="" xmlns:a14="http://schemas.microsoft.com/office/drawing/2010/main" val="0"/>
+                  <a14:useLocalDpi xmlns:a14="http://schemas.microsoft.com/office/drawing/2010/main" xmlns="" val="0"/>
                 </a:ext>
               </a:extLst>
             </a:blip>
@@ -2150,7 +2150,7 @@
             <a:blip r:embed="rId4">
               <a:extLst>
                 <a:ext uri="{28A0092B-C50C-407E-A947-70E740481C1C}">
-                  <a14:useLocalDpi xmlns="" xmlns:a14="http://schemas.microsoft.com/office/drawing/2010/main" val="0"/>
+                  <a14:useLocalDpi xmlns:a14="http://schemas.microsoft.com/office/drawing/2010/main" xmlns="" val="0"/>
                 </a:ext>
               </a:extLst>
             </a:blip>
@@ -2179,7 +2179,7 @@
             <a:blip r:embed="rId4">
               <a:extLst>
                 <a:ext uri="{28A0092B-C50C-407E-A947-70E740481C1C}">
-                  <a14:useLocalDpi xmlns="" xmlns:a14="http://schemas.microsoft.com/office/drawing/2010/main" val="0"/>
+                  <a14:useLocalDpi xmlns:a14="http://schemas.microsoft.com/office/drawing/2010/main" xmlns="" val="0"/>
                 </a:ext>
               </a:extLst>
             </a:blip>
@@ -2208,7 +2208,7 @@
             <a:blip r:embed="rId4">
               <a:extLst>
                 <a:ext uri="{28A0092B-C50C-407E-A947-70E740481C1C}">
-                  <a14:useLocalDpi xmlns="" xmlns:a14="http://schemas.microsoft.com/office/drawing/2010/main" val="0"/>
+                  <a14:useLocalDpi xmlns:a14="http://schemas.microsoft.com/office/drawing/2010/main" xmlns="" val="0"/>
                 </a:ext>
               </a:extLst>
             </a:blip>
@@ -2237,7 +2237,7 @@
             <a:blip r:embed="rId4">
               <a:extLst>
                 <a:ext uri="{28A0092B-C50C-407E-A947-70E740481C1C}">
-                  <a14:useLocalDpi xmlns="" xmlns:a14="http://schemas.microsoft.com/office/drawing/2010/main" val="0"/>
+                  <a14:useLocalDpi xmlns:a14="http://schemas.microsoft.com/office/drawing/2010/main" xmlns="" val="0"/>
                 </a:ext>
               </a:extLst>
             </a:blip>
@@ -2266,7 +2266,7 @@
             <a:blip r:embed="rId4">
               <a:extLst>
                 <a:ext uri="{28A0092B-C50C-407E-A947-70E740481C1C}">
-                  <a14:useLocalDpi xmlns="" xmlns:a14="http://schemas.microsoft.com/office/drawing/2010/main" val="0"/>
+                  <a14:useLocalDpi xmlns:a14="http://schemas.microsoft.com/office/drawing/2010/main" xmlns="" val="0"/>
                 </a:ext>
               </a:extLst>
             </a:blip>
@@ -2287,7 +2287,7 @@
     </p:spTree>
     <p:extLst>
       <p:ext uri="{BB962C8B-B14F-4D97-AF65-F5344CB8AC3E}">
-        <p14:creationId xmlns="" xmlns:p14="http://schemas.microsoft.com/office/powerpoint/2010/main" val="2291497936"/>
+        <p14:creationId xmlns:p14="http://schemas.microsoft.com/office/powerpoint/2010/main" xmlns="" val="2291497936"/>
       </p:ext>
     </p:extLst>
   </p:cSld>
@@ -2444,7 +2444,7 @@
           <a:blip r:embed="rId2">
             <a:extLst>
               <a:ext uri="{28A0092B-C50C-407E-A947-70E740481C1C}">
-                <a14:useLocalDpi xmlns="" xmlns:a14="http://schemas.microsoft.com/office/drawing/2010/main" val="0"/>
+                <a14:useLocalDpi xmlns:a14="http://schemas.microsoft.com/office/drawing/2010/main" xmlns="" val="0"/>
               </a:ext>
             </a:extLst>
           </a:blip>
@@ -2577,7 +2577,7 @@
             </a:clrChange>
             <a:extLst>
               <a:ext uri="{28A0092B-C50C-407E-A947-70E740481C1C}">
-                <a14:useLocalDpi xmlns="" xmlns:a14="http://schemas.microsoft.com/office/drawing/2010/main" val="0"/>
+                <a14:useLocalDpi xmlns:a14="http://schemas.microsoft.com/office/drawing/2010/main" xmlns="" val="0"/>
               </a:ext>
             </a:extLst>
           </a:blip>
@@ -2621,7 +2621,7 @@
             <a:blip r:embed="rId4">
               <a:extLst>
                 <a:ext uri="{28A0092B-C50C-407E-A947-70E740481C1C}">
-                  <a14:useLocalDpi xmlns="" xmlns:a14="http://schemas.microsoft.com/office/drawing/2010/main" val="0"/>
+                  <a14:useLocalDpi xmlns:a14="http://schemas.microsoft.com/office/drawing/2010/main" xmlns="" val="0"/>
                 </a:ext>
               </a:extLst>
             </a:blip>
@@ -2650,7 +2650,7 @@
             <a:blip r:embed="rId4">
               <a:extLst>
                 <a:ext uri="{28A0092B-C50C-407E-A947-70E740481C1C}">
-                  <a14:useLocalDpi xmlns="" xmlns:a14="http://schemas.microsoft.com/office/drawing/2010/main" val="0"/>
+                  <a14:useLocalDpi xmlns:a14="http://schemas.microsoft.com/office/drawing/2010/main" xmlns="" val="0"/>
                 </a:ext>
               </a:extLst>
             </a:blip>
@@ -2679,7 +2679,7 @@
             <a:blip r:embed="rId4">
               <a:extLst>
                 <a:ext uri="{28A0092B-C50C-407E-A947-70E740481C1C}">
-                  <a14:useLocalDpi xmlns="" xmlns:a14="http://schemas.microsoft.com/office/drawing/2010/main" val="0"/>
+                  <a14:useLocalDpi xmlns:a14="http://schemas.microsoft.com/office/drawing/2010/main" xmlns="" val="0"/>
                 </a:ext>
               </a:extLst>
             </a:blip>
@@ -2708,7 +2708,7 @@
             <a:blip r:embed="rId4">
               <a:extLst>
                 <a:ext uri="{28A0092B-C50C-407E-A947-70E740481C1C}">
-                  <a14:useLocalDpi xmlns="" xmlns:a14="http://schemas.microsoft.com/office/drawing/2010/main" val="0"/>
+                  <a14:useLocalDpi xmlns:a14="http://schemas.microsoft.com/office/drawing/2010/main" xmlns="" val="0"/>
                 </a:ext>
               </a:extLst>
             </a:blip>
@@ -2737,7 +2737,7 @@
             <a:blip r:embed="rId4">
               <a:extLst>
                 <a:ext uri="{28A0092B-C50C-407E-A947-70E740481C1C}">
-                  <a14:useLocalDpi xmlns="" xmlns:a14="http://schemas.microsoft.com/office/drawing/2010/main" val="0"/>
+                  <a14:useLocalDpi xmlns:a14="http://schemas.microsoft.com/office/drawing/2010/main" xmlns="" val="0"/>
                 </a:ext>
               </a:extLst>
             </a:blip>
@@ -2766,7 +2766,7 @@
             <a:blip r:embed="rId4">
               <a:extLst>
                 <a:ext uri="{28A0092B-C50C-407E-A947-70E740481C1C}">
-                  <a14:useLocalDpi xmlns="" xmlns:a14="http://schemas.microsoft.com/office/drawing/2010/main" val="0"/>
+                  <a14:useLocalDpi xmlns:a14="http://schemas.microsoft.com/office/drawing/2010/main" xmlns="" val="0"/>
                 </a:ext>
               </a:extLst>
             </a:blip>
@@ -2787,7 +2787,7 @@
     </p:spTree>
     <p:extLst>
       <p:ext uri="{BB962C8B-B14F-4D97-AF65-F5344CB8AC3E}">
-        <p14:creationId xmlns="" xmlns:p14="http://schemas.microsoft.com/office/powerpoint/2010/main" val="996820282"/>
+        <p14:creationId xmlns:p14="http://schemas.microsoft.com/office/powerpoint/2010/main" xmlns="" val="996820282"/>
       </p:ext>
     </p:extLst>
   </p:cSld>
@@ -3083,7 +3083,7 @@
           <a:blip r:embed="rId2">
             <a:extLst>
               <a:ext uri="{28A0092B-C50C-407E-A947-70E740481C1C}">
-                <a14:useLocalDpi xmlns="" xmlns:a14="http://schemas.microsoft.com/office/drawing/2010/main" val="0"/>
+                <a14:useLocalDpi xmlns:a14="http://schemas.microsoft.com/office/drawing/2010/main" xmlns="" val="0"/>
               </a:ext>
             </a:extLst>
           </a:blip>
@@ -3216,7 +3216,7 @@
             </a:clrChange>
             <a:extLst>
               <a:ext uri="{28A0092B-C50C-407E-A947-70E740481C1C}">
-                <a14:useLocalDpi xmlns="" xmlns:a14="http://schemas.microsoft.com/office/drawing/2010/main" val="0"/>
+                <a14:useLocalDpi xmlns:a14="http://schemas.microsoft.com/office/drawing/2010/main" xmlns="" val="0"/>
               </a:ext>
             </a:extLst>
           </a:blip>
@@ -3260,7 +3260,7 @@
             <a:blip r:embed="rId4">
               <a:extLst>
                 <a:ext uri="{28A0092B-C50C-407E-A947-70E740481C1C}">
-                  <a14:useLocalDpi xmlns="" xmlns:a14="http://schemas.microsoft.com/office/drawing/2010/main" val="0"/>
+                  <a14:useLocalDpi xmlns:a14="http://schemas.microsoft.com/office/drawing/2010/main" xmlns="" val="0"/>
                 </a:ext>
               </a:extLst>
             </a:blip>
@@ -3289,7 +3289,7 @@
             <a:blip r:embed="rId4">
               <a:extLst>
                 <a:ext uri="{28A0092B-C50C-407E-A947-70E740481C1C}">
-                  <a14:useLocalDpi xmlns="" xmlns:a14="http://schemas.microsoft.com/office/drawing/2010/main" val="0"/>
+                  <a14:useLocalDpi xmlns:a14="http://schemas.microsoft.com/office/drawing/2010/main" xmlns="" val="0"/>
                 </a:ext>
               </a:extLst>
             </a:blip>
@@ -3318,7 +3318,7 @@
             <a:blip r:embed="rId4">
               <a:extLst>
                 <a:ext uri="{28A0092B-C50C-407E-A947-70E740481C1C}">
-                  <a14:useLocalDpi xmlns="" xmlns:a14="http://schemas.microsoft.com/office/drawing/2010/main" val="0"/>
+                  <a14:useLocalDpi xmlns:a14="http://schemas.microsoft.com/office/drawing/2010/main" xmlns="" val="0"/>
                 </a:ext>
               </a:extLst>
             </a:blip>
@@ -3347,7 +3347,7 @@
             <a:blip r:embed="rId4">
               <a:extLst>
                 <a:ext uri="{28A0092B-C50C-407E-A947-70E740481C1C}">
-                  <a14:useLocalDpi xmlns="" xmlns:a14="http://schemas.microsoft.com/office/drawing/2010/main" val="0"/>
+                  <a14:useLocalDpi xmlns:a14="http://schemas.microsoft.com/office/drawing/2010/main" xmlns="" val="0"/>
                 </a:ext>
               </a:extLst>
             </a:blip>
@@ -3376,7 +3376,7 @@
             <a:blip r:embed="rId4">
               <a:extLst>
                 <a:ext uri="{28A0092B-C50C-407E-A947-70E740481C1C}">
-                  <a14:useLocalDpi xmlns="" xmlns:a14="http://schemas.microsoft.com/office/drawing/2010/main" val="0"/>
+                  <a14:useLocalDpi xmlns:a14="http://schemas.microsoft.com/office/drawing/2010/main" xmlns="" val="0"/>
                 </a:ext>
               </a:extLst>
             </a:blip>
@@ -3405,7 +3405,7 @@
             <a:blip r:embed="rId4">
               <a:extLst>
                 <a:ext uri="{28A0092B-C50C-407E-A947-70E740481C1C}">
-                  <a14:useLocalDpi xmlns="" xmlns:a14="http://schemas.microsoft.com/office/drawing/2010/main" val="0"/>
+                  <a14:useLocalDpi xmlns:a14="http://schemas.microsoft.com/office/drawing/2010/main" xmlns="" val="0"/>
                 </a:ext>
               </a:extLst>
             </a:blip>
@@ -3426,7 +3426,7 @@
     </p:spTree>
     <p:extLst>
       <p:ext uri="{BB962C8B-B14F-4D97-AF65-F5344CB8AC3E}">
-        <p14:creationId xmlns="" xmlns:p14="http://schemas.microsoft.com/office/powerpoint/2010/main" val="3589868865"/>
+        <p14:creationId xmlns:p14="http://schemas.microsoft.com/office/powerpoint/2010/main" xmlns="" val="3589868865"/>
       </p:ext>
     </p:extLst>
   </p:cSld>
@@ -3646,7 +3646,7 @@
           <a:blip r:embed="rId2">
             <a:extLst>
               <a:ext uri="{28A0092B-C50C-407E-A947-70E740481C1C}">
-                <a14:useLocalDpi xmlns="" xmlns:a14="http://schemas.microsoft.com/office/drawing/2010/main" val="0"/>
+                <a14:useLocalDpi xmlns:a14="http://schemas.microsoft.com/office/drawing/2010/main" xmlns="" val="0"/>
               </a:ext>
             </a:extLst>
           </a:blip>
@@ -3779,7 +3779,7 @@
             </a:clrChange>
             <a:extLst>
               <a:ext uri="{28A0092B-C50C-407E-A947-70E740481C1C}">
-                <a14:useLocalDpi xmlns="" xmlns:a14="http://schemas.microsoft.com/office/drawing/2010/main" val="0"/>
+                <a14:useLocalDpi xmlns:a14="http://schemas.microsoft.com/office/drawing/2010/main" xmlns="" val="0"/>
               </a:ext>
             </a:extLst>
           </a:blip>
@@ -3823,7 +3823,7 @@
             <a:blip r:embed="rId4">
               <a:extLst>
                 <a:ext uri="{28A0092B-C50C-407E-A947-70E740481C1C}">
-                  <a14:useLocalDpi xmlns="" xmlns:a14="http://schemas.microsoft.com/office/drawing/2010/main" val="0"/>
+                  <a14:useLocalDpi xmlns:a14="http://schemas.microsoft.com/office/drawing/2010/main" xmlns="" val="0"/>
                 </a:ext>
               </a:extLst>
             </a:blip>
@@ -3852,7 +3852,7 @@
             <a:blip r:embed="rId4">
               <a:extLst>
                 <a:ext uri="{28A0092B-C50C-407E-A947-70E740481C1C}">
-                  <a14:useLocalDpi xmlns="" xmlns:a14="http://schemas.microsoft.com/office/drawing/2010/main" val="0"/>
+                  <a14:useLocalDpi xmlns:a14="http://schemas.microsoft.com/office/drawing/2010/main" xmlns="" val="0"/>
                 </a:ext>
               </a:extLst>
             </a:blip>
@@ -3881,7 +3881,7 @@
             <a:blip r:embed="rId4">
               <a:extLst>
                 <a:ext uri="{28A0092B-C50C-407E-A947-70E740481C1C}">
-                  <a14:useLocalDpi xmlns="" xmlns:a14="http://schemas.microsoft.com/office/drawing/2010/main" val="0"/>
+                  <a14:useLocalDpi xmlns:a14="http://schemas.microsoft.com/office/drawing/2010/main" xmlns="" val="0"/>
                 </a:ext>
               </a:extLst>
             </a:blip>
@@ -3910,7 +3910,7 @@
             <a:blip r:embed="rId4">
               <a:extLst>
                 <a:ext uri="{28A0092B-C50C-407E-A947-70E740481C1C}">
-                  <a14:useLocalDpi xmlns="" xmlns:a14="http://schemas.microsoft.com/office/drawing/2010/main" val="0"/>
+                  <a14:useLocalDpi xmlns:a14="http://schemas.microsoft.com/office/drawing/2010/main" xmlns="" val="0"/>
                 </a:ext>
               </a:extLst>
             </a:blip>
@@ -3939,7 +3939,7 @@
             <a:blip r:embed="rId4">
               <a:extLst>
                 <a:ext uri="{28A0092B-C50C-407E-A947-70E740481C1C}">
-                  <a14:useLocalDpi xmlns="" xmlns:a14="http://schemas.microsoft.com/office/drawing/2010/main" val="0"/>
+                  <a14:useLocalDpi xmlns:a14="http://schemas.microsoft.com/office/drawing/2010/main" xmlns="" val="0"/>
                 </a:ext>
               </a:extLst>
             </a:blip>
@@ -3968,7 +3968,7 @@
             <a:blip r:embed="rId4">
               <a:extLst>
                 <a:ext uri="{28A0092B-C50C-407E-A947-70E740481C1C}">
-                  <a14:useLocalDpi xmlns="" xmlns:a14="http://schemas.microsoft.com/office/drawing/2010/main" val="0"/>
+                  <a14:useLocalDpi xmlns:a14="http://schemas.microsoft.com/office/drawing/2010/main" xmlns="" val="0"/>
                 </a:ext>
               </a:extLst>
             </a:blip>
@@ -3989,7 +3989,7 @@
     </p:spTree>
     <p:extLst>
       <p:ext uri="{BB962C8B-B14F-4D97-AF65-F5344CB8AC3E}">
-        <p14:creationId xmlns="" xmlns:p14="http://schemas.microsoft.com/office/powerpoint/2010/main" val="4128466204"/>
+        <p14:creationId xmlns:p14="http://schemas.microsoft.com/office/powerpoint/2010/main" xmlns="" val="4128466204"/>
       </p:ext>
     </p:extLst>
   </p:cSld>
@@ -4197,7 +4197,7 @@
           <a:blip r:embed="rId2" cstate="print">
             <a:extLst>
               <a:ext uri="{28A0092B-C50C-407E-A947-70E740481C1C}">
-                <a14:useLocalDpi xmlns="" xmlns:a14="http://schemas.microsoft.com/office/drawing/2010/main" val="0"/>
+                <a14:useLocalDpi xmlns:a14="http://schemas.microsoft.com/office/drawing/2010/main" xmlns="" val="0"/>
               </a:ext>
             </a:extLst>
           </a:blip>
@@ -4220,14 +4220,14 @@
           </a:ln>
           <a:extLst>
             <a:ext uri="{909E8E84-426E-40DD-AFC4-6F175D3DCCD1}">
-              <a14:hiddenFill xmlns="" xmlns:a14="http://schemas.microsoft.com/office/drawing/2010/main">
+              <a14:hiddenFill xmlns:a14="http://schemas.microsoft.com/office/drawing/2010/main" xmlns="">
                 <a:solidFill>
                   <a:srgbClr val="FFFFFF"/>
                 </a:solidFill>
               </a14:hiddenFill>
             </a:ext>
             <a:ext uri="{91240B29-F687-4F45-9708-019B960494DF}">
-              <a14:hiddenLine xmlns="" xmlns:a14="http://schemas.microsoft.com/office/drawing/2010/main" w="9525">
+              <a14:hiddenLine xmlns:a14="http://schemas.microsoft.com/office/drawing/2010/main" xmlns="" w="9525">
                 <a:solidFill>
                   <a:srgbClr val="000000"/>
                 </a:solidFill>
@@ -4251,7 +4251,7 @@
           <a:blip r:embed="rId3">
             <a:extLst>
               <a:ext uri="{28A0092B-C50C-407E-A947-70E740481C1C}">
-                <a14:useLocalDpi xmlns="" xmlns:a14="http://schemas.microsoft.com/office/drawing/2010/main" val="0"/>
+                <a14:useLocalDpi xmlns:a14="http://schemas.microsoft.com/office/drawing/2010/main" xmlns="" val="0"/>
               </a:ext>
             </a:extLst>
           </a:blip>
@@ -4290,7 +4290,7 @@
             </a:clrChange>
             <a:extLst>
               <a:ext uri="{28A0092B-C50C-407E-A947-70E740481C1C}">
-                <a14:useLocalDpi xmlns="" xmlns:a14="http://schemas.microsoft.com/office/drawing/2010/main" val="0"/>
+                <a14:useLocalDpi xmlns:a14="http://schemas.microsoft.com/office/drawing/2010/main" xmlns="" val="0"/>
               </a:ext>
             </a:extLst>
           </a:blip>
@@ -4320,7 +4320,7 @@
           <a:blip r:embed="rId5">
             <a:extLst>
               <a:ext uri="{28A0092B-C50C-407E-A947-70E740481C1C}">
-                <a14:useLocalDpi xmlns="" xmlns:a14="http://schemas.microsoft.com/office/drawing/2010/main" val="0"/>
+                <a14:useLocalDpi xmlns:a14="http://schemas.microsoft.com/office/drawing/2010/main" xmlns="" val="0"/>
               </a:ext>
             </a:extLst>
           </a:blip>
@@ -4341,7 +4341,7 @@
     </p:spTree>
     <p:extLst>
       <p:ext uri="{BB962C8B-B14F-4D97-AF65-F5344CB8AC3E}">
-        <p14:creationId xmlns="" xmlns:p14="http://schemas.microsoft.com/office/powerpoint/2010/main" val="261317336"/>
+        <p14:creationId xmlns:p14="http://schemas.microsoft.com/office/powerpoint/2010/main" xmlns="" val="261317336"/>
       </p:ext>
     </p:extLst>
   </p:cSld>
@@ -4694,7 +4694,7 @@
           <a:blip r:embed="rId2">
             <a:extLst>
               <a:ext uri="{28A0092B-C50C-407E-A947-70E740481C1C}">
-                <a14:useLocalDpi xmlns="" xmlns:a14="http://schemas.microsoft.com/office/drawing/2010/main" val="0"/>
+                <a14:useLocalDpi xmlns:a14="http://schemas.microsoft.com/office/drawing/2010/main" xmlns="" val="0"/>
               </a:ext>
             </a:extLst>
           </a:blip>
@@ -4733,7 +4733,7 @@
             </a:clrChange>
             <a:extLst>
               <a:ext uri="{28A0092B-C50C-407E-A947-70E740481C1C}">
-                <a14:useLocalDpi xmlns="" xmlns:a14="http://schemas.microsoft.com/office/drawing/2010/main" val="0"/>
+                <a14:useLocalDpi xmlns:a14="http://schemas.microsoft.com/office/drawing/2010/main" xmlns="" val="0"/>
               </a:ext>
             </a:extLst>
           </a:blip>
@@ -4763,7 +4763,7 @@
           <a:blip r:embed="rId4">
             <a:extLst>
               <a:ext uri="{28A0092B-C50C-407E-A947-70E740481C1C}">
-                <a14:useLocalDpi xmlns="" xmlns:a14="http://schemas.microsoft.com/office/drawing/2010/main" val="0"/>
+                <a14:useLocalDpi xmlns:a14="http://schemas.microsoft.com/office/drawing/2010/main" xmlns="" val="0"/>
               </a:ext>
             </a:extLst>
           </a:blip>
@@ -4816,7 +4816,7 @@
     </p:spTree>
     <p:extLst>
       <p:ext uri="{BB962C8B-B14F-4D97-AF65-F5344CB8AC3E}">
-        <p14:creationId xmlns="" xmlns:p14="http://schemas.microsoft.com/office/powerpoint/2010/main" val="3892901492"/>
+        <p14:creationId xmlns:p14="http://schemas.microsoft.com/office/powerpoint/2010/main" xmlns="" val="3892901492"/>
       </p:ext>
     </p:extLst>
   </p:cSld>
@@ -4951,7 +4951,7 @@
           <a:blip r:embed="rId2">
             <a:extLst>
               <a:ext uri="{28A0092B-C50C-407E-A947-70E740481C1C}">
-                <a14:useLocalDpi xmlns="" xmlns:a14="http://schemas.microsoft.com/office/drawing/2010/main" val="0"/>
+                <a14:useLocalDpi xmlns:a14="http://schemas.microsoft.com/office/drawing/2010/main" xmlns="" val="0"/>
               </a:ext>
             </a:extLst>
           </a:blip>
@@ -5265,7 +5265,7 @@
             </a:clrChange>
             <a:extLst>
               <a:ext uri="{28A0092B-C50C-407E-A947-70E740481C1C}">
-                <a14:useLocalDpi xmlns="" xmlns:a14="http://schemas.microsoft.com/office/drawing/2010/main" val="0"/>
+                <a14:useLocalDpi xmlns:a14="http://schemas.microsoft.com/office/drawing/2010/main" xmlns="" val="0"/>
               </a:ext>
             </a:extLst>
           </a:blip>
@@ -5309,7 +5309,7 @@
             <a:blip r:embed="rId4">
               <a:extLst>
                 <a:ext uri="{28A0092B-C50C-407E-A947-70E740481C1C}">
-                  <a14:useLocalDpi xmlns="" xmlns:a14="http://schemas.microsoft.com/office/drawing/2010/main" val="0"/>
+                  <a14:useLocalDpi xmlns:a14="http://schemas.microsoft.com/office/drawing/2010/main" xmlns="" val="0"/>
                 </a:ext>
               </a:extLst>
             </a:blip>
@@ -5338,7 +5338,7 @@
             <a:blip r:embed="rId4">
               <a:extLst>
                 <a:ext uri="{28A0092B-C50C-407E-A947-70E740481C1C}">
-                  <a14:useLocalDpi xmlns="" xmlns:a14="http://schemas.microsoft.com/office/drawing/2010/main" val="0"/>
+                  <a14:useLocalDpi xmlns:a14="http://schemas.microsoft.com/office/drawing/2010/main" xmlns="" val="0"/>
                 </a:ext>
               </a:extLst>
             </a:blip>
@@ -5367,7 +5367,7 @@
             <a:blip r:embed="rId4">
               <a:extLst>
                 <a:ext uri="{28A0092B-C50C-407E-A947-70E740481C1C}">
-                  <a14:useLocalDpi xmlns="" xmlns:a14="http://schemas.microsoft.com/office/drawing/2010/main" val="0"/>
+                  <a14:useLocalDpi xmlns:a14="http://schemas.microsoft.com/office/drawing/2010/main" xmlns="" val="0"/>
                 </a:ext>
               </a:extLst>
             </a:blip>
@@ -5396,7 +5396,7 @@
             <a:blip r:embed="rId4">
               <a:extLst>
                 <a:ext uri="{28A0092B-C50C-407E-A947-70E740481C1C}">
-                  <a14:useLocalDpi xmlns="" xmlns:a14="http://schemas.microsoft.com/office/drawing/2010/main" val="0"/>
+                  <a14:useLocalDpi xmlns:a14="http://schemas.microsoft.com/office/drawing/2010/main" xmlns="" val="0"/>
                 </a:ext>
               </a:extLst>
             </a:blip>
@@ -5425,7 +5425,7 @@
             <a:blip r:embed="rId4">
               <a:extLst>
                 <a:ext uri="{28A0092B-C50C-407E-A947-70E740481C1C}">
-                  <a14:useLocalDpi xmlns="" xmlns:a14="http://schemas.microsoft.com/office/drawing/2010/main" val="0"/>
+                  <a14:useLocalDpi xmlns:a14="http://schemas.microsoft.com/office/drawing/2010/main" xmlns="" val="0"/>
                 </a:ext>
               </a:extLst>
             </a:blip>
@@ -5454,7 +5454,7 @@
             <a:blip r:embed="rId4">
               <a:extLst>
                 <a:ext uri="{28A0092B-C50C-407E-A947-70E740481C1C}">
-                  <a14:useLocalDpi xmlns="" xmlns:a14="http://schemas.microsoft.com/office/drawing/2010/main" val="0"/>
+                  <a14:useLocalDpi xmlns:a14="http://schemas.microsoft.com/office/drawing/2010/main" xmlns="" val="0"/>
                 </a:ext>
               </a:extLst>
             </a:blip>
@@ -5475,7 +5475,7 @@
     </p:spTree>
     <p:extLst>
       <p:ext uri="{BB962C8B-B14F-4D97-AF65-F5344CB8AC3E}">
-        <p14:creationId xmlns="" xmlns:p14="http://schemas.microsoft.com/office/powerpoint/2010/main" val="126656761"/>
+        <p14:creationId xmlns:p14="http://schemas.microsoft.com/office/powerpoint/2010/main" xmlns="" val="126656761"/>
       </p:ext>
     </p:extLst>
   </p:cSld>
@@ -5812,7 +5812,7 @@
           <a:blip r:embed="rId2">
             <a:extLst>
               <a:ext uri="{28A0092B-C50C-407E-A947-70E740481C1C}">
-                <a14:useLocalDpi xmlns="" xmlns:a14="http://schemas.microsoft.com/office/drawing/2010/main" val="0"/>
+                <a14:useLocalDpi xmlns:a14="http://schemas.microsoft.com/office/drawing/2010/main" xmlns="" val="0"/>
               </a:ext>
             </a:extLst>
           </a:blip>
@@ -5980,7 +5980,7 @@
             </a:clrChange>
             <a:extLst>
               <a:ext uri="{28A0092B-C50C-407E-A947-70E740481C1C}">
-                <a14:useLocalDpi xmlns="" xmlns:a14="http://schemas.microsoft.com/office/drawing/2010/main" val="0"/>
+                <a14:useLocalDpi xmlns:a14="http://schemas.microsoft.com/office/drawing/2010/main" xmlns="" val="0"/>
               </a:ext>
             </a:extLst>
           </a:blip>
@@ -6024,7 +6024,7 @@
             <a:blip r:embed="rId4">
               <a:extLst>
                 <a:ext uri="{28A0092B-C50C-407E-A947-70E740481C1C}">
-                  <a14:useLocalDpi xmlns="" xmlns:a14="http://schemas.microsoft.com/office/drawing/2010/main" val="0"/>
+                  <a14:useLocalDpi xmlns:a14="http://schemas.microsoft.com/office/drawing/2010/main" xmlns="" val="0"/>
                 </a:ext>
               </a:extLst>
             </a:blip>
@@ -6053,7 +6053,7 @@
             <a:blip r:embed="rId4">
               <a:extLst>
                 <a:ext uri="{28A0092B-C50C-407E-A947-70E740481C1C}">
-                  <a14:useLocalDpi xmlns="" xmlns:a14="http://schemas.microsoft.com/office/drawing/2010/main" val="0"/>
+                  <a14:useLocalDpi xmlns:a14="http://schemas.microsoft.com/office/drawing/2010/main" xmlns="" val="0"/>
                 </a:ext>
               </a:extLst>
             </a:blip>
@@ -6082,7 +6082,7 @@
             <a:blip r:embed="rId4">
               <a:extLst>
                 <a:ext uri="{28A0092B-C50C-407E-A947-70E740481C1C}">
-                  <a14:useLocalDpi xmlns="" xmlns:a14="http://schemas.microsoft.com/office/drawing/2010/main" val="0"/>
+                  <a14:useLocalDpi xmlns:a14="http://schemas.microsoft.com/office/drawing/2010/main" xmlns="" val="0"/>
                 </a:ext>
               </a:extLst>
             </a:blip>
@@ -6111,7 +6111,7 @@
             <a:blip r:embed="rId4">
               <a:extLst>
                 <a:ext uri="{28A0092B-C50C-407E-A947-70E740481C1C}">
-                  <a14:useLocalDpi xmlns="" xmlns:a14="http://schemas.microsoft.com/office/drawing/2010/main" val="0"/>
+                  <a14:useLocalDpi xmlns:a14="http://schemas.microsoft.com/office/drawing/2010/main" xmlns="" val="0"/>
                 </a:ext>
               </a:extLst>
             </a:blip>
@@ -6140,7 +6140,7 @@
             <a:blip r:embed="rId4">
               <a:extLst>
                 <a:ext uri="{28A0092B-C50C-407E-A947-70E740481C1C}">
-                  <a14:useLocalDpi xmlns="" xmlns:a14="http://schemas.microsoft.com/office/drawing/2010/main" val="0"/>
+                  <a14:useLocalDpi xmlns:a14="http://schemas.microsoft.com/office/drawing/2010/main" xmlns="" val="0"/>
                 </a:ext>
               </a:extLst>
             </a:blip>
@@ -6169,7 +6169,7 @@
             <a:blip r:embed="rId4">
               <a:extLst>
                 <a:ext uri="{28A0092B-C50C-407E-A947-70E740481C1C}">
-                  <a14:useLocalDpi xmlns="" xmlns:a14="http://schemas.microsoft.com/office/drawing/2010/main" val="0"/>
+                  <a14:useLocalDpi xmlns:a14="http://schemas.microsoft.com/office/drawing/2010/main" xmlns="" val="0"/>
                 </a:ext>
               </a:extLst>
             </a:blip>
@@ -6190,7 +6190,7 @@
     </p:spTree>
     <p:extLst>
       <p:ext uri="{BB962C8B-B14F-4D97-AF65-F5344CB8AC3E}">
-        <p14:creationId xmlns="" xmlns:p14="http://schemas.microsoft.com/office/powerpoint/2010/main" val="299771757"/>
+        <p14:creationId xmlns:p14="http://schemas.microsoft.com/office/powerpoint/2010/main" xmlns="" val="299771757"/>
       </p:ext>
     </p:extLst>
   </p:cSld>
@@ -6263,7 +6263,7 @@
           <a:blip r:embed="rId2">
             <a:extLst>
               <a:ext uri="{28A0092B-C50C-407E-A947-70E740481C1C}">
-                <a14:useLocalDpi xmlns="" xmlns:a14="http://schemas.microsoft.com/office/drawing/2010/main" val="0"/>
+                <a14:useLocalDpi xmlns:a14="http://schemas.microsoft.com/office/drawing/2010/main" xmlns="" val="0"/>
               </a:ext>
             </a:extLst>
           </a:blip>
@@ -6431,7 +6431,7 @@
             </a:clrChange>
             <a:extLst>
               <a:ext uri="{28A0092B-C50C-407E-A947-70E740481C1C}">
-                <a14:useLocalDpi xmlns="" xmlns:a14="http://schemas.microsoft.com/office/drawing/2010/main" val="0"/>
+                <a14:useLocalDpi xmlns:a14="http://schemas.microsoft.com/office/drawing/2010/main" xmlns="" val="0"/>
               </a:ext>
             </a:extLst>
           </a:blip>
@@ -6475,7 +6475,7 @@
             <a:blip r:embed="rId4">
               <a:extLst>
                 <a:ext uri="{28A0092B-C50C-407E-A947-70E740481C1C}">
-                  <a14:useLocalDpi xmlns="" xmlns:a14="http://schemas.microsoft.com/office/drawing/2010/main" val="0"/>
+                  <a14:useLocalDpi xmlns:a14="http://schemas.microsoft.com/office/drawing/2010/main" xmlns="" val="0"/>
                 </a:ext>
               </a:extLst>
             </a:blip>
@@ -6504,7 +6504,7 @@
             <a:blip r:embed="rId4">
               <a:extLst>
                 <a:ext uri="{28A0092B-C50C-407E-A947-70E740481C1C}">
-                  <a14:useLocalDpi xmlns="" xmlns:a14="http://schemas.microsoft.com/office/drawing/2010/main" val="0"/>
+                  <a14:useLocalDpi xmlns:a14="http://schemas.microsoft.com/office/drawing/2010/main" xmlns="" val="0"/>
                 </a:ext>
               </a:extLst>
             </a:blip>
@@ -6533,7 +6533,7 @@
             <a:blip r:embed="rId4">
               <a:extLst>
                 <a:ext uri="{28A0092B-C50C-407E-A947-70E740481C1C}">
-                  <a14:useLocalDpi xmlns="" xmlns:a14="http://schemas.microsoft.com/office/drawing/2010/main" val="0"/>
+                  <a14:useLocalDpi xmlns:a14="http://schemas.microsoft.com/office/drawing/2010/main" xmlns="" val="0"/>
                 </a:ext>
               </a:extLst>
             </a:blip>
@@ -6562,7 +6562,7 @@
             <a:blip r:embed="rId4">
               <a:extLst>
                 <a:ext uri="{28A0092B-C50C-407E-A947-70E740481C1C}">
-                  <a14:useLocalDpi xmlns="" xmlns:a14="http://schemas.microsoft.com/office/drawing/2010/main" val="0"/>
+                  <a14:useLocalDpi xmlns:a14="http://schemas.microsoft.com/office/drawing/2010/main" xmlns="" val="0"/>
                 </a:ext>
               </a:extLst>
             </a:blip>
@@ -6591,7 +6591,7 @@
             <a:blip r:embed="rId4">
               <a:extLst>
                 <a:ext uri="{28A0092B-C50C-407E-A947-70E740481C1C}">
-                  <a14:useLocalDpi xmlns="" xmlns:a14="http://schemas.microsoft.com/office/drawing/2010/main" val="0"/>
+                  <a14:useLocalDpi xmlns:a14="http://schemas.microsoft.com/office/drawing/2010/main" xmlns="" val="0"/>
                 </a:ext>
               </a:extLst>
             </a:blip>
@@ -6620,7 +6620,7 @@
             <a:blip r:embed="rId4">
               <a:extLst>
                 <a:ext uri="{28A0092B-C50C-407E-A947-70E740481C1C}">
-                  <a14:useLocalDpi xmlns="" xmlns:a14="http://schemas.microsoft.com/office/drawing/2010/main" val="0"/>
+                  <a14:useLocalDpi xmlns:a14="http://schemas.microsoft.com/office/drawing/2010/main" xmlns="" val="0"/>
                 </a:ext>
               </a:extLst>
             </a:blip>
@@ -6641,7 +6641,7 @@
     </p:spTree>
     <p:extLst>
       <p:ext uri="{BB962C8B-B14F-4D97-AF65-F5344CB8AC3E}">
-        <p14:creationId xmlns="" xmlns:p14="http://schemas.microsoft.com/office/powerpoint/2010/main" val="2392495070"/>
+        <p14:creationId xmlns:p14="http://schemas.microsoft.com/office/powerpoint/2010/main" xmlns="" val="2392495070"/>
       </p:ext>
     </p:extLst>
   </p:cSld>
@@ -6738,7 +6738,7 @@
           <a:blip r:embed="rId3">
             <a:extLst>
               <a:ext uri="{28A0092B-C50C-407E-A947-70E740481C1C}">
-                <a14:useLocalDpi xmlns="" xmlns:a14="http://schemas.microsoft.com/office/drawing/2010/main" val="0"/>
+                <a14:useLocalDpi xmlns:a14="http://schemas.microsoft.com/office/drawing/2010/main" xmlns="" val="0"/>
               </a:ext>
             </a:extLst>
           </a:blip>
@@ -6871,7 +6871,7 @@
             </a:clrChange>
             <a:extLst>
               <a:ext uri="{28A0092B-C50C-407E-A947-70E740481C1C}">
-                <a14:useLocalDpi xmlns="" xmlns:a14="http://schemas.microsoft.com/office/drawing/2010/main" val="0"/>
+                <a14:useLocalDpi xmlns:a14="http://schemas.microsoft.com/office/drawing/2010/main" xmlns="" val="0"/>
               </a:ext>
             </a:extLst>
           </a:blip>
@@ -6915,7 +6915,7 @@
             <a:blip r:embed="rId5">
               <a:extLst>
                 <a:ext uri="{28A0092B-C50C-407E-A947-70E740481C1C}">
-                  <a14:useLocalDpi xmlns="" xmlns:a14="http://schemas.microsoft.com/office/drawing/2010/main" val="0"/>
+                  <a14:useLocalDpi xmlns:a14="http://schemas.microsoft.com/office/drawing/2010/main" xmlns="" val="0"/>
                 </a:ext>
               </a:extLst>
             </a:blip>
@@ -6944,7 +6944,7 @@
             <a:blip r:embed="rId5">
               <a:extLst>
                 <a:ext uri="{28A0092B-C50C-407E-A947-70E740481C1C}">
-                  <a14:useLocalDpi xmlns="" xmlns:a14="http://schemas.microsoft.com/office/drawing/2010/main" val="0"/>
+                  <a14:useLocalDpi xmlns:a14="http://schemas.microsoft.com/office/drawing/2010/main" xmlns="" val="0"/>
                 </a:ext>
               </a:extLst>
             </a:blip>
@@ -6973,7 +6973,7 @@
             <a:blip r:embed="rId5">
               <a:extLst>
                 <a:ext uri="{28A0092B-C50C-407E-A947-70E740481C1C}">
-                  <a14:useLocalDpi xmlns="" xmlns:a14="http://schemas.microsoft.com/office/drawing/2010/main" val="0"/>
+                  <a14:useLocalDpi xmlns:a14="http://schemas.microsoft.com/office/drawing/2010/main" xmlns="" val="0"/>
                 </a:ext>
               </a:extLst>
             </a:blip>
@@ -7002,7 +7002,7 @@
             <a:blip r:embed="rId5">
               <a:extLst>
                 <a:ext uri="{28A0092B-C50C-407E-A947-70E740481C1C}">
-                  <a14:useLocalDpi xmlns="" xmlns:a14="http://schemas.microsoft.com/office/drawing/2010/main" val="0"/>
+                  <a14:useLocalDpi xmlns:a14="http://schemas.microsoft.com/office/drawing/2010/main" xmlns="" val="0"/>
                 </a:ext>
               </a:extLst>
             </a:blip>
@@ -7031,7 +7031,7 @@
             <a:blip r:embed="rId5">
               <a:extLst>
                 <a:ext uri="{28A0092B-C50C-407E-A947-70E740481C1C}">
-                  <a14:useLocalDpi xmlns="" xmlns:a14="http://schemas.microsoft.com/office/drawing/2010/main" val="0"/>
+                  <a14:useLocalDpi xmlns:a14="http://schemas.microsoft.com/office/drawing/2010/main" xmlns="" val="0"/>
                 </a:ext>
               </a:extLst>
             </a:blip>
@@ -7060,7 +7060,7 @@
             <a:blip r:embed="rId5">
               <a:extLst>
                 <a:ext uri="{28A0092B-C50C-407E-A947-70E740481C1C}">
-                  <a14:useLocalDpi xmlns="" xmlns:a14="http://schemas.microsoft.com/office/drawing/2010/main" val="0"/>
+                  <a14:useLocalDpi xmlns:a14="http://schemas.microsoft.com/office/drawing/2010/main" xmlns="" val="0"/>
                 </a:ext>
               </a:extLst>
             </a:blip>
@@ -7081,7 +7081,7 @@
     </p:spTree>
     <p:extLst>
       <p:ext uri="{BB962C8B-B14F-4D97-AF65-F5344CB8AC3E}">
-        <p14:creationId xmlns="" xmlns:p14="http://schemas.microsoft.com/office/powerpoint/2010/main" val="1482972887"/>
+        <p14:creationId xmlns:p14="http://schemas.microsoft.com/office/powerpoint/2010/main" xmlns="" val="1482972887"/>
       </p:ext>
     </p:extLst>
   </p:cSld>
@@ -7319,7 +7319,7 @@
           <a:blip r:embed="rId2">
             <a:extLst>
               <a:ext uri="{28A0092B-C50C-407E-A947-70E740481C1C}">
-                <a14:useLocalDpi xmlns="" xmlns:a14="http://schemas.microsoft.com/office/drawing/2010/main" val="0"/>
+                <a14:useLocalDpi xmlns:a14="http://schemas.microsoft.com/office/drawing/2010/main" xmlns="" val="0"/>
               </a:ext>
             </a:extLst>
           </a:blip>
@@ -7452,7 +7452,7 @@
             </a:clrChange>
             <a:extLst>
               <a:ext uri="{28A0092B-C50C-407E-A947-70E740481C1C}">
-                <a14:useLocalDpi xmlns="" xmlns:a14="http://schemas.microsoft.com/office/drawing/2010/main" val="0"/>
+                <a14:useLocalDpi xmlns:a14="http://schemas.microsoft.com/office/drawing/2010/main" xmlns="" val="0"/>
               </a:ext>
             </a:extLst>
           </a:blip>
@@ -7496,7 +7496,7 @@
             <a:blip r:embed="rId4">
               <a:extLst>
                 <a:ext uri="{28A0092B-C50C-407E-A947-70E740481C1C}">
-                  <a14:useLocalDpi xmlns="" xmlns:a14="http://schemas.microsoft.com/office/drawing/2010/main" val="0"/>
+                  <a14:useLocalDpi xmlns:a14="http://schemas.microsoft.com/office/drawing/2010/main" xmlns="" val="0"/>
                 </a:ext>
               </a:extLst>
             </a:blip>
@@ -7525,7 +7525,7 @@
             <a:blip r:embed="rId4">
               <a:extLst>
                 <a:ext uri="{28A0092B-C50C-407E-A947-70E740481C1C}">
-                  <a14:useLocalDpi xmlns="" xmlns:a14="http://schemas.microsoft.com/office/drawing/2010/main" val="0"/>
+                  <a14:useLocalDpi xmlns:a14="http://schemas.microsoft.com/office/drawing/2010/main" xmlns="" val="0"/>
                 </a:ext>
               </a:extLst>
             </a:blip>
@@ -7554,7 +7554,7 @@
             <a:blip r:embed="rId4">
               <a:extLst>
                 <a:ext uri="{28A0092B-C50C-407E-A947-70E740481C1C}">
-                  <a14:useLocalDpi xmlns="" xmlns:a14="http://schemas.microsoft.com/office/drawing/2010/main" val="0"/>
+                  <a14:useLocalDpi xmlns:a14="http://schemas.microsoft.com/office/drawing/2010/main" xmlns="" val="0"/>
                 </a:ext>
               </a:extLst>
             </a:blip>
@@ -7583,7 +7583,7 @@
             <a:blip r:embed="rId4">
               <a:extLst>
                 <a:ext uri="{28A0092B-C50C-407E-A947-70E740481C1C}">
-                  <a14:useLocalDpi xmlns="" xmlns:a14="http://schemas.microsoft.com/office/drawing/2010/main" val="0"/>
+                  <a14:useLocalDpi xmlns:a14="http://schemas.microsoft.com/office/drawing/2010/main" xmlns="" val="0"/>
                 </a:ext>
               </a:extLst>
             </a:blip>
@@ -7612,7 +7612,7 @@
             <a:blip r:embed="rId4">
               <a:extLst>
                 <a:ext uri="{28A0092B-C50C-407E-A947-70E740481C1C}">
-                  <a14:useLocalDpi xmlns="" xmlns:a14="http://schemas.microsoft.com/office/drawing/2010/main" val="0"/>
+                  <a14:useLocalDpi xmlns:a14="http://schemas.microsoft.com/office/drawing/2010/main" xmlns="" val="0"/>
                 </a:ext>
               </a:extLst>
             </a:blip>
@@ -7641,7 +7641,7 @@
             <a:blip r:embed="rId4">
               <a:extLst>
                 <a:ext uri="{28A0092B-C50C-407E-A947-70E740481C1C}">
-                  <a14:useLocalDpi xmlns="" xmlns:a14="http://schemas.microsoft.com/office/drawing/2010/main" val="0"/>
+                  <a14:useLocalDpi xmlns:a14="http://schemas.microsoft.com/office/drawing/2010/main" xmlns="" val="0"/>
                 </a:ext>
               </a:extLst>
             </a:blip>
@@ -7662,7 +7662,7 @@
     </p:spTree>
     <p:extLst>
       <p:ext uri="{BB962C8B-B14F-4D97-AF65-F5344CB8AC3E}">
-        <p14:creationId xmlns="" xmlns:p14="http://schemas.microsoft.com/office/powerpoint/2010/main" val="392275884"/>
+        <p14:creationId xmlns:p14="http://schemas.microsoft.com/office/powerpoint/2010/main" xmlns="" val="392275884"/>
       </p:ext>
     </p:extLst>
   </p:cSld>
@@ -7912,7 +7912,7 @@
           <a:blip r:embed="rId2">
             <a:extLst>
               <a:ext uri="{28A0092B-C50C-407E-A947-70E740481C1C}">
-                <a14:useLocalDpi xmlns="" xmlns:a14="http://schemas.microsoft.com/office/drawing/2010/main" val="0"/>
+                <a14:useLocalDpi xmlns:a14="http://schemas.microsoft.com/office/drawing/2010/main" xmlns="" val="0"/>
               </a:ext>
             </a:extLst>
           </a:blip>
@@ -8045,7 +8045,7 @@
             </a:clrChange>
             <a:extLst>
               <a:ext uri="{28A0092B-C50C-407E-A947-70E740481C1C}">
-                <a14:useLocalDpi xmlns="" xmlns:a14="http://schemas.microsoft.com/office/drawing/2010/main" val="0"/>
+                <a14:useLocalDpi xmlns:a14="http://schemas.microsoft.com/office/drawing/2010/main" xmlns="" val="0"/>
               </a:ext>
             </a:extLst>
           </a:blip>
@@ -8089,7 +8089,7 @@
             <a:blip r:embed="rId4">
               <a:extLst>
                 <a:ext uri="{28A0092B-C50C-407E-A947-70E740481C1C}">
-                  <a14:useLocalDpi xmlns="" xmlns:a14="http://schemas.microsoft.com/office/drawing/2010/main" val="0"/>
+                  <a14:useLocalDpi xmlns:a14="http://schemas.microsoft.com/office/drawing/2010/main" xmlns="" val="0"/>
                 </a:ext>
               </a:extLst>
             </a:blip>
@@ -8118,7 +8118,7 @@
             <a:blip r:embed="rId4">
               <a:extLst>
                 <a:ext uri="{28A0092B-C50C-407E-A947-70E740481C1C}">
-                  <a14:useLocalDpi xmlns="" xmlns:a14="http://schemas.microsoft.com/office/drawing/2010/main" val="0"/>
+                  <a14:useLocalDpi xmlns:a14="http://schemas.microsoft.com/office/drawing/2010/main" xmlns="" val="0"/>
                 </a:ext>
               </a:extLst>
             </a:blip>
@@ -8147,7 +8147,7 @@
             <a:blip r:embed="rId4">
               <a:extLst>
                 <a:ext uri="{28A0092B-C50C-407E-A947-70E740481C1C}">
-                  <a14:useLocalDpi xmlns="" xmlns:a14="http://schemas.microsoft.com/office/drawing/2010/main" val="0"/>
+                  <a14:useLocalDpi xmlns:a14="http://schemas.microsoft.com/office/drawing/2010/main" xmlns="" val="0"/>
                 </a:ext>
               </a:extLst>
             </a:blip>
@@ -8176,7 +8176,7 @@
             <a:blip r:embed="rId4">
               <a:extLst>
                 <a:ext uri="{28A0092B-C50C-407E-A947-70E740481C1C}">
-                  <a14:useLocalDpi xmlns="" xmlns:a14="http://schemas.microsoft.com/office/drawing/2010/main" val="0"/>
+                  <a14:useLocalDpi xmlns:a14="http://schemas.microsoft.com/office/drawing/2010/main" xmlns="" val="0"/>
                 </a:ext>
               </a:extLst>
             </a:blip>
@@ -8205,7 +8205,7 @@
             <a:blip r:embed="rId4">
               <a:extLst>
                 <a:ext uri="{28A0092B-C50C-407E-A947-70E740481C1C}">
-                  <a14:useLocalDpi xmlns="" xmlns:a14="http://schemas.microsoft.com/office/drawing/2010/main" val="0"/>
+                  <a14:useLocalDpi xmlns:a14="http://schemas.microsoft.com/office/drawing/2010/main" xmlns="" val="0"/>
                 </a:ext>
               </a:extLst>
             </a:blip>
@@ -8234,7 +8234,7 @@
             <a:blip r:embed="rId4">
               <a:extLst>
                 <a:ext uri="{28A0092B-C50C-407E-A947-70E740481C1C}">
-                  <a14:useLocalDpi xmlns="" xmlns:a14="http://schemas.microsoft.com/office/drawing/2010/main" val="0"/>
+                  <a14:useLocalDpi xmlns:a14="http://schemas.microsoft.com/office/drawing/2010/main" xmlns="" val="0"/>
                 </a:ext>
               </a:extLst>
             </a:blip>
@@ -8255,7 +8255,7 @@
     </p:spTree>
     <p:extLst>
       <p:ext uri="{BB962C8B-B14F-4D97-AF65-F5344CB8AC3E}">
-        <p14:creationId xmlns="" xmlns:p14="http://schemas.microsoft.com/office/powerpoint/2010/main" val="1272674306"/>
+        <p14:creationId xmlns:p14="http://schemas.microsoft.com/office/powerpoint/2010/main" xmlns="" val="1272674306"/>
       </p:ext>
     </p:extLst>
   </p:cSld>
@@ -8306,7 +8306,7 @@
     </p:spTree>
     <p:extLst>
       <p:ext uri="{BB962C8B-B14F-4D97-AF65-F5344CB8AC3E}">
-        <p14:creationId xmlns="" xmlns:p14="http://schemas.microsoft.com/office/powerpoint/2010/main" val="3083721497"/>
+        <p14:creationId xmlns:p14="http://schemas.microsoft.com/office/powerpoint/2010/main" xmlns="" val="3083721497"/>
       </p:ext>
     </p:extLst>
   </p:cSld>
@@ -9278,7 +9278,7 @@
     </p:spTree>
     <p:extLst>
       <p:ext uri="{BB962C8B-B14F-4D97-AF65-F5344CB8AC3E}">
-        <p14:creationId xmlns="" xmlns:p14="http://schemas.microsoft.com/office/powerpoint/2010/main" val="348829074"/>
+        <p14:creationId xmlns:p14="http://schemas.microsoft.com/office/powerpoint/2010/main" xmlns="" val="348829074"/>
       </p:ext>
     </p:extLst>
   </p:cSld>
@@ -9551,7 +9551,7 @@
     </p:spTree>
     <p:extLst>
       <p:ext uri="{BB962C8B-B14F-4D97-AF65-F5344CB8AC3E}">
-        <p14:creationId xmlns="" xmlns:p14="http://schemas.microsoft.com/office/powerpoint/2010/main" val="1187325860"/>
+        <p14:creationId xmlns:p14="http://schemas.microsoft.com/office/powerpoint/2010/main" xmlns="" val="1187325860"/>
       </p:ext>
     </p:extLst>
   </p:cSld>
@@ -9559,7 +9559,7 @@
     <a:masterClrMapping/>
   </p:clrMapOvr>
   <mc:AlternateContent xmlns:mc="http://schemas.openxmlformats.org/markup-compatibility/2006">
-    <mc:Choice xmlns="" xmlns:p14="http://schemas.microsoft.com/office/powerpoint/2010/main" Requires="p14">
+    <mc:Choice xmlns:p14="http://schemas.microsoft.com/office/powerpoint/2010/main" xmlns="" Requires="p14">
       <p:transition spd="slow" p14:dur="2000"/>
     </mc:Choice>
     <mc:Fallback>
@@ -9753,7 +9753,7 @@
     </p:spTree>
     <p:extLst>
       <p:ext uri="{BB962C8B-B14F-4D97-AF65-F5344CB8AC3E}">
-        <p14:creationId xmlns="" xmlns:p14="http://schemas.microsoft.com/office/powerpoint/2010/main" val="1187325860"/>
+        <p14:creationId xmlns:p14="http://schemas.microsoft.com/office/powerpoint/2010/main" xmlns="" val="1187325860"/>
       </p:ext>
     </p:extLst>
   </p:cSld>
@@ -9761,7 +9761,7 @@
     <a:masterClrMapping/>
   </p:clrMapOvr>
   <mc:AlternateContent xmlns:mc="http://schemas.openxmlformats.org/markup-compatibility/2006">
-    <mc:Choice xmlns="" xmlns:p14="http://schemas.microsoft.com/office/powerpoint/2010/main" Requires="p14">
+    <mc:Choice xmlns:p14="http://schemas.microsoft.com/office/powerpoint/2010/main" xmlns="" Requires="p14">
       <p:transition spd="slow" p14:dur="2000"/>
     </mc:Choice>
     <mc:Fallback>
@@ -9976,7 +9976,7 @@
     </p:spTree>
     <p:extLst>
       <p:ext uri="{BB962C8B-B14F-4D97-AF65-F5344CB8AC3E}">
-        <p14:creationId xmlns="" xmlns:p14="http://schemas.microsoft.com/office/powerpoint/2010/main" val="1187325860"/>
+        <p14:creationId xmlns:p14="http://schemas.microsoft.com/office/powerpoint/2010/main" xmlns="" val="1187325860"/>
       </p:ext>
     </p:extLst>
   </p:cSld>
@@ -9984,7 +9984,7 @@
     <a:masterClrMapping/>
   </p:clrMapOvr>
   <mc:AlternateContent xmlns:mc="http://schemas.openxmlformats.org/markup-compatibility/2006">
-    <mc:Choice xmlns="" xmlns:p14="http://schemas.microsoft.com/office/powerpoint/2010/main" Requires="p14">
+    <mc:Choice xmlns:p14="http://schemas.microsoft.com/office/powerpoint/2010/main" xmlns="" Requires="p14">
       <p:transition spd="slow" p14:dur="2000"/>
     </mc:Choice>
     <mc:Fallback>
@@ -10086,6 +10086,10 @@
                     <a:bodyPr/>
                     <a:lstStyle/>
                     <a:p>
+                      <a:r>
+                        <a:rPr lang="pt-BR" dirty="0" err="1" smtClean="0"/>
+                        <a:t>Rayane</a:t>
+                      </a:r>
                       <a:endParaRPr lang="pt-BR" dirty="0"/>
                     </a:p>
                   </a:txBody>
@@ -10098,6 +10102,10 @@
                     <a:bodyPr/>
                     <a:lstStyle/>
                     <a:p>
+                      <a:r>
+                        <a:rPr lang="pt-BR" dirty="0" smtClean="0"/>
+                        <a:t>Giovanni</a:t>
+                      </a:r>
                       <a:endParaRPr lang="pt-BR" dirty="0"/>
                     </a:p>
                   </a:txBody>
@@ -10110,7 +10118,11 @@
                     <a:bodyPr/>
                     <a:lstStyle/>
                     <a:p>
-                      <a:endParaRPr lang="pt-BR"/>
+                      <a:r>
+                        <a:rPr lang="pt-BR" dirty="0" err="1" smtClean="0"/>
+                        <a:t>Isaque</a:t>
+                      </a:r>
+                      <a:endParaRPr lang="pt-BR" dirty="0"/>
                     </a:p>
                   </a:txBody>
                   <a:tcPr/>
@@ -10122,6 +10134,10 @@
                     <a:bodyPr/>
                     <a:lstStyle/>
                     <a:p>
+                      <a:r>
+                        <a:rPr lang="pt-BR" dirty="0" smtClean="0"/>
+                        <a:t>Tiago</a:t>
+                      </a:r>
                       <a:endParaRPr lang="pt-BR" dirty="0"/>
                     </a:p>
                   </a:txBody>
@@ -10232,6 +10248,10 @@
                     <a:bodyPr/>
                     <a:lstStyle/>
                     <a:p>
+                      <a:r>
+                        <a:rPr lang="pt-BR" dirty="0" err="1" smtClean="0"/>
+                        <a:t>Thiego</a:t>
+                      </a:r>
                       <a:endParaRPr lang="pt-BR" dirty="0"/>
                     </a:p>
                   </a:txBody>
@@ -10244,6 +10264,10 @@
                     <a:bodyPr/>
                     <a:lstStyle/>
                     <a:p>
+                      <a:r>
+                        <a:rPr lang="pt-BR" dirty="0" smtClean="0"/>
+                        <a:t>Diego</a:t>
+                      </a:r>
                       <a:endParaRPr lang="pt-BR" dirty="0"/>
                     </a:p>
                   </a:txBody>
@@ -10256,7 +10280,11 @@
                     <a:bodyPr/>
                     <a:lstStyle/>
                     <a:p>
-                      <a:endParaRPr lang="pt-BR"/>
+                      <a:r>
+                        <a:rPr lang="pt-BR" dirty="0" err="1" smtClean="0"/>
+                        <a:t>Edley</a:t>
+                      </a:r>
+                      <a:endParaRPr lang="pt-BR" dirty="0"/>
                     </a:p>
                   </a:txBody>
                   <a:tcPr/>
@@ -10268,6 +10296,10 @@
                     <a:bodyPr/>
                     <a:lstStyle/>
                     <a:p>
+                      <a:r>
+                        <a:rPr lang="pt-BR" dirty="0" err="1" smtClean="0"/>
+                        <a:t>Kevvin</a:t>
+                      </a:r>
                       <a:endParaRPr lang="pt-BR" dirty="0"/>
                     </a:p>
                   </a:txBody>
@@ -10325,18 +10357,10 @@
                     <a:bodyPr/>
                     <a:lstStyle/>
                     <a:p>
-                      <a:endParaRPr lang="pt-BR"/>
-                    </a:p>
-                  </a:txBody>
-                  <a:tcPr/>
-                </a:tc>
-              </a:tr>
-              <a:tr h="370840">
-                <a:tc>
-                  <a:txBody>
-                    <a:bodyPr/>
-                    <a:lstStyle/>
-                    <a:p>
+                      <a:r>
+                        <a:rPr lang="pt-BR" dirty="0" smtClean="0"/>
+                        <a:t>Gustavo</a:t>
+                      </a:r>
                       <a:endParaRPr lang="pt-BR" dirty="0"/>
                     </a:p>
                   </a:txBody>
@@ -10349,7 +10373,11 @@
                     <a:bodyPr/>
                     <a:lstStyle/>
                     <a:p>
-                      <a:endParaRPr lang="pt-BR"/>
+                      <a:r>
+                        <a:rPr lang="pt-BR" dirty="0" smtClean="0"/>
+                        <a:t>Camila</a:t>
+                      </a:r>
+                      <a:endParaRPr lang="pt-BR" dirty="0"/>
                     </a:p>
                   </a:txBody>
                   <a:tcPr/>
@@ -10361,6 +10389,26 @@
                     <a:bodyPr/>
                     <a:lstStyle/>
                     <a:p>
+                      <a:r>
+                        <a:rPr lang="pt-BR" dirty="0" smtClean="0"/>
+                        <a:t>Eduardo</a:t>
+                      </a:r>
+                      <a:endParaRPr lang="pt-BR" dirty="0"/>
+                    </a:p>
+                  </a:txBody>
+                  <a:tcPr/>
+                </a:tc>
+              </a:tr>
+              <a:tr h="370840">
+                <a:tc>
+                  <a:txBody>
+                    <a:bodyPr/>
+                    <a:lstStyle/>
+                    <a:p>
+                      <a:r>
+                        <a:rPr lang="pt-BR" dirty="0" smtClean="0"/>
+                        <a:t>Sandro</a:t>
+                      </a:r>
                       <a:endParaRPr lang="pt-BR" dirty="0"/>
                     </a:p>
                   </a:txBody>
@@ -10414,6 +10462,10 @@
                     <a:bodyPr/>
                     <a:lstStyle/>
                     <a:p>
+                      <a:r>
+                        <a:rPr lang="pt-BR" dirty="0" err="1" smtClean="0"/>
+                        <a:t>Hiago</a:t>
+                      </a:r>
                       <a:endParaRPr lang="pt-BR" dirty="0"/>
                     </a:p>
                   </a:txBody>
@@ -10426,6 +10478,10 @@
                     <a:bodyPr/>
                     <a:lstStyle/>
                     <a:p>
+                      <a:r>
+                        <a:rPr lang="pt-BR" dirty="0" smtClean="0"/>
+                        <a:t>Sharon</a:t>
+                      </a:r>
                       <a:endParaRPr lang="pt-BR" dirty="0"/>
                     </a:p>
                   </a:txBody>
@@ -10438,7 +10494,11 @@
                     <a:bodyPr/>
                     <a:lstStyle/>
                     <a:p>
-                      <a:endParaRPr lang="pt-BR"/>
+                      <a:r>
+                        <a:rPr lang="pt-BR" dirty="0" smtClean="0"/>
+                        <a:t>Paulo</a:t>
+                      </a:r>
+                      <a:endParaRPr lang="pt-BR" dirty="0"/>
                     </a:p>
                   </a:txBody>
                   <a:tcPr/>
@@ -10450,6 +10510,10 @@
                     <a:bodyPr/>
                     <a:lstStyle/>
                     <a:p>
+                      <a:r>
+                        <a:rPr lang="pt-BR" dirty="0" smtClean="0"/>
+                        <a:t>Matheus</a:t>
+                      </a:r>
                       <a:endParaRPr lang="pt-BR" dirty="0"/>
                     </a:p>
                   </a:txBody>
@@ -10503,18 +10567,10 @@
                     <a:bodyPr/>
                     <a:lstStyle/>
                     <a:p>
-                      <a:endParaRPr lang="pt-BR"/>
-                    </a:p>
-                  </a:txBody>
-                  <a:tcPr/>
-                </a:tc>
-              </a:tr>
-              <a:tr h="370840">
-                <a:tc>
-                  <a:txBody>
-                    <a:bodyPr/>
-                    <a:lstStyle/>
-                    <a:p>
+                      <a:r>
+                        <a:rPr lang="pt-BR" dirty="0" smtClean="0"/>
+                        <a:t>Davi</a:t>
+                      </a:r>
                       <a:endParaRPr lang="pt-BR" dirty="0"/>
                     </a:p>
                   </a:txBody>
@@ -10527,6 +10583,10 @@
                     <a:bodyPr/>
                     <a:lstStyle/>
                     <a:p>
+                      <a:r>
+                        <a:rPr lang="pt-BR" dirty="0" smtClean="0"/>
+                        <a:t>Marcos</a:t>
+                      </a:r>
                       <a:endParaRPr lang="pt-BR" dirty="0"/>
                     </a:p>
                   </a:txBody>
@@ -10539,6 +10599,26 @@
                     <a:bodyPr/>
                     <a:lstStyle/>
                     <a:p>
+                      <a:r>
+                        <a:rPr lang="pt-BR" dirty="0" smtClean="0"/>
+                        <a:t>Renan</a:t>
+                      </a:r>
+                      <a:endParaRPr lang="pt-BR" dirty="0"/>
+                    </a:p>
+                  </a:txBody>
+                  <a:tcPr/>
+                </a:tc>
+              </a:tr>
+              <a:tr h="370840">
+                <a:tc>
+                  <a:txBody>
+                    <a:bodyPr/>
+                    <a:lstStyle/>
+                    <a:p>
+                      <a:r>
+                        <a:rPr lang="pt-BR" dirty="0" smtClean="0"/>
+                        <a:t>Rômulo</a:t>
+                      </a:r>
                       <a:endParaRPr lang="pt-BR" dirty="0"/>
                     </a:p>
                   </a:txBody>
@@ -10596,18 +10676,10 @@
                     <a:bodyPr/>
                     <a:lstStyle/>
                     <a:p>
-                      <a:endParaRPr lang="pt-BR"/>
-                    </a:p>
-                  </a:txBody>
-                  <a:tcPr/>
-                </a:tc>
-              </a:tr>
-              <a:tr h="370840">
-                <a:tc>
-                  <a:txBody>
-                    <a:bodyPr/>
-                    <a:lstStyle/>
-                    <a:p>
+                      <a:r>
+                        <a:rPr lang="pt-BR" dirty="0" smtClean="0"/>
+                        <a:t>Agatha</a:t>
+                      </a:r>
                       <a:endParaRPr lang="pt-BR" dirty="0"/>
                     </a:p>
                   </a:txBody>
@@ -10620,7 +10692,11 @@
                     <a:bodyPr/>
                     <a:lstStyle/>
                     <a:p>
-                      <a:endParaRPr lang="pt-BR"/>
+                      <a:r>
+                        <a:rPr lang="pt-BR" dirty="0" smtClean="0"/>
+                        <a:t>Lucas</a:t>
+                      </a:r>
+                      <a:endParaRPr lang="pt-BR" dirty="0"/>
                     </a:p>
                   </a:txBody>
                   <a:tcPr/>
@@ -10632,6 +10708,26 @@
                     <a:bodyPr/>
                     <a:lstStyle/>
                     <a:p>
+                      <a:r>
+                        <a:rPr lang="pt-BR" dirty="0" smtClean="0"/>
+                        <a:t>Arthur</a:t>
+                      </a:r>
+                      <a:endParaRPr lang="pt-BR" dirty="0"/>
+                    </a:p>
+                  </a:txBody>
+                  <a:tcPr/>
+                </a:tc>
+              </a:tr>
+              <a:tr h="370840">
+                <a:tc>
+                  <a:txBody>
+                    <a:bodyPr/>
+                    <a:lstStyle/>
+                    <a:p>
+                      <a:r>
+                        <a:rPr lang="pt-BR" dirty="0" smtClean="0"/>
+                        <a:t>Lucas</a:t>
+                      </a:r>
                       <a:endParaRPr lang="pt-BR" dirty="0"/>
                     </a:p>
                   </a:txBody>
@@ -10685,6 +10781,10 @@
                     <a:bodyPr/>
                     <a:lstStyle/>
                     <a:p>
+                      <a:r>
+                        <a:rPr lang="pt-BR" dirty="0" smtClean="0"/>
+                        <a:t>José Carlos</a:t>
+                      </a:r>
                       <a:endParaRPr lang="pt-BR" dirty="0"/>
                     </a:p>
                   </a:txBody>
@@ -10697,6 +10797,10 @@
                     <a:bodyPr/>
                     <a:lstStyle/>
                     <a:p>
+                      <a:r>
+                        <a:rPr lang="pt-BR" dirty="0" err="1" smtClean="0"/>
+                        <a:t>Klissia</a:t>
+                      </a:r>
                       <a:endParaRPr lang="pt-BR" dirty="0"/>
                     </a:p>
                   </a:txBody>
@@ -10709,7 +10813,11 @@
                     <a:bodyPr/>
                     <a:lstStyle/>
                     <a:p>
-                      <a:endParaRPr lang="pt-BR"/>
+                      <a:r>
+                        <a:rPr lang="pt-BR" dirty="0" smtClean="0"/>
+                        <a:t>Willians</a:t>
+                      </a:r>
+                      <a:endParaRPr lang="pt-BR" dirty="0"/>
                     </a:p>
                   </a:txBody>
                   <a:tcPr/>
@@ -10721,6 +10829,18 @@
                     <a:bodyPr/>
                     <a:lstStyle/>
                     <a:p>
+                      <a:r>
+                        <a:rPr lang="pt-BR" dirty="0" smtClean="0"/>
+                        <a:t>Van </a:t>
+                      </a:r>
+                      <a:r>
+                        <a:rPr lang="pt-BR" dirty="0" err="1" smtClean="0"/>
+                        <a:t>den</a:t>
+                      </a:r>
+                      <a:r>
+                        <a:rPr lang="pt-BR" dirty="0" smtClean="0"/>
+                        <a:t> Berg (???)</a:t>
+                      </a:r>
                       <a:endParaRPr lang="pt-BR" dirty="0"/>
                     </a:p>
                   </a:txBody>
@@ -10774,7 +10894,7 @@
                     <a:bodyPr/>
                     <a:lstStyle/>
                     <a:p>
-                      <a:endParaRPr lang="pt-BR" dirty="0"/>
+                      <a:endParaRPr lang="pt-BR" u="sng" dirty="0"/>
                     </a:p>
                   </a:txBody>
                   <a:tcPr/>
@@ -10823,7 +10943,7 @@
     </p:spTree>
     <p:extLst>
       <p:ext uri="{BB962C8B-B14F-4D97-AF65-F5344CB8AC3E}">
-        <p14:creationId xmlns="" xmlns:p14="http://schemas.microsoft.com/office/powerpoint/2010/main" val="1187325860"/>
+        <p14:creationId xmlns:p14="http://schemas.microsoft.com/office/powerpoint/2010/main" xmlns="" val="1187325860"/>
       </p:ext>
     </p:extLst>
   </p:cSld>
@@ -10831,7 +10951,7 @@
     <a:masterClrMapping/>
   </p:clrMapOvr>
   <mc:AlternateContent xmlns:mc="http://schemas.openxmlformats.org/markup-compatibility/2006">
-    <mc:Choice xmlns="" xmlns:p14="http://schemas.microsoft.com/office/powerpoint/2010/main" Requires="p14">
+    <mc:Choice xmlns:p14="http://schemas.microsoft.com/office/powerpoint/2010/main" xmlns="" Requires="p14">
       <p:transition spd="slow" p14:dur="2000"/>
     </mc:Choice>
     <mc:Fallback>
@@ -11266,7 +11386,7 @@
     </p:spTree>
     <p:extLst>
       <p:ext uri="{BB962C8B-B14F-4D97-AF65-F5344CB8AC3E}">
-        <p14:creationId xmlns="" xmlns:p14="http://schemas.microsoft.com/office/powerpoint/2010/main" val="1021935959"/>
+        <p14:creationId xmlns:p14="http://schemas.microsoft.com/office/powerpoint/2010/main" xmlns="" val="1021935959"/>
       </p:ext>
     </p:extLst>
   </p:cSld>
@@ -11660,7 +11780,7 @@
     </p:spTree>
     <p:extLst>
       <p:ext uri="{BB962C8B-B14F-4D97-AF65-F5344CB8AC3E}">
-        <p14:creationId xmlns="" xmlns:p14="http://schemas.microsoft.com/office/powerpoint/2010/main" val="422076180"/>
+        <p14:creationId xmlns:p14="http://schemas.microsoft.com/office/powerpoint/2010/main" xmlns="" val="422076180"/>
       </p:ext>
     </p:extLst>
   </p:cSld>
@@ -11668,7 +11788,7 @@
     <a:masterClrMapping/>
   </p:clrMapOvr>
   <mc:AlternateContent xmlns:mc="http://schemas.openxmlformats.org/markup-compatibility/2006">
-    <mc:Choice xmlns="" xmlns:p14="http://schemas.microsoft.com/office/powerpoint/2010/main" Requires="p14">
+    <mc:Choice xmlns:p14="http://schemas.microsoft.com/office/powerpoint/2010/main" xmlns="" Requires="p14">
       <p:transition spd="slow" p14:dur="2000"/>
     </mc:Choice>
     <mc:Fallback>
@@ -11885,7 +12005,7 @@
     </p:spTree>
     <p:extLst>
       <p:ext uri="{BB962C8B-B14F-4D97-AF65-F5344CB8AC3E}">
-        <p14:creationId xmlns="" xmlns:p14="http://schemas.microsoft.com/office/powerpoint/2010/main" val="124860049"/>
+        <p14:creationId xmlns:p14="http://schemas.microsoft.com/office/powerpoint/2010/main" xmlns="" val="124860049"/>
       </p:ext>
     </p:extLst>
   </p:cSld>
@@ -11893,7 +12013,7 @@
     <a:masterClrMapping/>
   </p:clrMapOvr>
   <mc:AlternateContent xmlns:mc="http://schemas.openxmlformats.org/markup-compatibility/2006">
-    <mc:Choice xmlns="" xmlns:p14="http://schemas.microsoft.com/office/powerpoint/2010/main" Requires="p14">
+    <mc:Choice xmlns:p14="http://schemas.microsoft.com/office/powerpoint/2010/main" xmlns="" Requires="p14">
       <p:transition spd="slow" p14:dur="2000"/>
     </mc:Choice>
     <mc:Fallback>
@@ -12051,7 +12171,7 @@
             </a:r>
             <a:r>
               <a:rPr lang="pt-BR" dirty="0" smtClean="0"/>
-              <a:t> (o cesto de roupa).</a:t>
+              <a:t>.</a:t>
             </a:r>
             <a:endParaRPr lang="pt-BR" dirty="0"/>
           </a:p>
@@ -12117,7 +12237,7 @@
     </p:spTree>
     <p:extLst>
       <p:ext uri="{BB962C8B-B14F-4D97-AF65-F5344CB8AC3E}">
-        <p14:creationId xmlns="" xmlns:p14="http://schemas.microsoft.com/office/powerpoint/2010/main" val="1187325860"/>
+        <p14:creationId xmlns:p14="http://schemas.microsoft.com/office/powerpoint/2010/main" xmlns="" val="1187325860"/>
       </p:ext>
     </p:extLst>
   </p:cSld>
@@ -12125,7 +12245,7 @@
     <a:masterClrMapping/>
   </p:clrMapOvr>
   <mc:AlternateContent xmlns:mc="http://schemas.openxmlformats.org/markup-compatibility/2006">
-    <mc:Choice xmlns="" xmlns:p14="http://schemas.microsoft.com/office/powerpoint/2010/main" Requires="p14">
+    <mc:Choice xmlns:p14="http://schemas.microsoft.com/office/powerpoint/2010/main" xmlns="" Requires="p14">
       <p:transition spd="slow" p14:dur="2000"/>
     </mc:Choice>
     <mc:Fallback>
@@ -12414,84 +12534,6 @@
           <a:p>
             <a:pPr marL="742932" marR="0" lvl="1" indent="-285744" algn="l" defTabSz="457189" rtl="0" eaLnBrk="1" fontAlgn="auto" latinLnBrk="0" hangingPunct="1">
               <a:lnSpc>
-                <a:spcPct val="150000"/>
-              </a:lnSpc>
-              <a:spcBef>
-                <a:spcPts val="1000"/>
-              </a:spcBef>
-              <a:spcAft>
-                <a:spcPts val="0"/>
-              </a:spcAft>
-              <a:buClr>
-                <a:schemeClr val="accent1"/>
-              </a:buClr>
-              <a:buSzTx/>
-              <a:buFont typeface="Wingdings 3" charset="2"/>
-              <a:buChar char=""/>
-              <a:tabLst/>
-              <a:defRPr/>
-            </a:pPr>
-            <a:r>
-              <a:rPr kumimoji="0" lang="pt-BR" sz="2000" b="0" i="0" u="none" strike="noStrike" kern="1200" cap="none" spc="0" normalizeH="0" baseline="0" noProof="0" dirty="0" smtClean="0">
-                <a:ln>
-                  <a:noFill/>
-                </a:ln>
-                <a:solidFill>
-                  <a:schemeClr val="tx1">
-                    <a:lumMod val="75000"/>
-                    <a:lumOff val="25000"/>
-                  </a:schemeClr>
-                </a:solidFill>
-                <a:effectLst/>
-                <a:uLnTx/>
-                <a:uFillTx/>
-                <a:latin typeface="+mn-lt"/>
-                <a:ea typeface="+mn-ea"/>
-                <a:cs typeface="+mn-cs"/>
-              </a:rPr>
-              <a:t> Seguindo</a:t>
-            </a:r>
-            <a:r>
-              <a:rPr kumimoji="0" lang="pt-BR" sz="2000" b="0" i="0" u="none" strike="noStrike" kern="1200" cap="none" spc="0" normalizeH="0" noProof="0" dirty="0" smtClean="0">
-                <a:ln>
-                  <a:noFill/>
-                </a:ln>
-                <a:solidFill>
-                  <a:schemeClr val="tx1">
-                    <a:lumMod val="75000"/>
-                    <a:lumOff val="25000"/>
-                  </a:schemeClr>
-                </a:solidFill>
-                <a:effectLst/>
-                <a:uLnTx/>
-                <a:uFillTx/>
-                <a:latin typeface="+mn-lt"/>
-                <a:ea typeface="+mn-ea"/>
-                <a:cs typeface="+mn-cs"/>
-              </a:rPr>
-              <a:t> a analogia, é você separando as roupas que estão realmente prontas pra lavar.</a:t>
-            </a:r>
-            <a:endParaRPr kumimoji="0" lang="pt-BR" sz="2000" b="1" i="0" u="none" strike="noStrike" kern="1200" cap="none" spc="0" normalizeH="0" baseline="0" noProof="0" dirty="0" smtClean="0">
-              <a:ln>
-                <a:noFill/>
-              </a:ln>
-              <a:solidFill>
-                <a:schemeClr val="tx1">
-                  <a:lumMod val="75000"/>
-                  <a:lumOff val="25000"/>
-                </a:schemeClr>
-              </a:solidFill>
-              <a:effectLst/>
-              <a:uLnTx/>
-              <a:uFillTx/>
-              <a:latin typeface="+mn-lt"/>
-              <a:ea typeface="+mn-ea"/>
-              <a:cs typeface="+mn-cs"/>
-            </a:endParaRPr>
-          </a:p>
-          <a:p>
-            <a:pPr marL="742932" marR="0" lvl="1" indent="-285744" algn="l" defTabSz="457189" rtl="0" eaLnBrk="1" fontAlgn="auto" latinLnBrk="0" hangingPunct="1">
-              <a:lnSpc>
                 <a:spcPct val="100000"/>
               </a:lnSpc>
               <a:spcBef>
@@ -12504,8 +12546,6 @@
                 <a:schemeClr val="accent1"/>
               </a:buClr>
               <a:buSzTx/>
-              <a:buFont typeface="Wingdings 3" charset="2"/>
-              <a:buChar char=""/>
               <a:tabLst/>
               <a:defRPr/>
             </a:pPr>
@@ -12532,7 +12572,7 @@
     </p:spTree>
     <p:extLst>
       <p:ext uri="{BB962C8B-B14F-4D97-AF65-F5344CB8AC3E}">
-        <p14:creationId xmlns="" xmlns:p14="http://schemas.microsoft.com/office/powerpoint/2010/main" val="1187325860"/>
+        <p14:creationId xmlns:p14="http://schemas.microsoft.com/office/powerpoint/2010/main" xmlns="" val="1187325860"/>
       </p:ext>
     </p:extLst>
   </p:cSld>
@@ -12540,7 +12580,7 @@
     <a:masterClrMapping/>
   </p:clrMapOvr>
   <mc:AlternateContent xmlns:mc="http://schemas.openxmlformats.org/markup-compatibility/2006">
-    <mc:Choice xmlns="" xmlns:p14="http://schemas.microsoft.com/office/powerpoint/2010/main" Requires="p14">
+    <mc:Choice xmlns:p14="http://schemas.microsoft.com/office/powerpoint/2010/main" xmlns="" Requires="p14">
       <p:transition spd="slow" p14:dur="2000"/>
     </mc:Choice>
     <mc:Fallback>
@@ -12744,7 +12784,7 @@
     </p:spTree>
     <p:extLst>
       <p:ext uri="{BB962C8B-B14F-4D97-AF65-F5344CB8AC3E}">
-        <p14:creationId xmlns="" xmlns:p14="http://schemas.microsoft.com/office/powerpoint/2010/main" val="1187325860"/>
+        <p14:creationId xmlns:p14="http://schemas.microsoft.com/office/powerpoint/2010/main" xmlns="" val="1187325860"/>
       </p:ext>
     </p:extLst>
   </p:cSld>
@@ -12752,7 +12792,7 @@
     <a:masterClrMapping/>
   </p:clrMapOvr>
   <mc:AlternateContent xmlns:mc="http://schemas.openxmlformats.org/markup-compatibility/2006">
-    <mc:Choice xmlns="" xmlns:p14="http://schemas.microsoft.com/office/powerpoint/2010/main" Requires="p14">
+    <mc:Choice xmlns:p14="http://schemas.microsoft.com/office/powerpoint/2010/main" xmlns="" Requires="p14">
       <p:transition spd="slow" p14:dur="2000"/>
     </mc:Choice>
     <mc:Fallback>
@@ -13226,7 +13266,7 @@
     </p:spTree>
     <p:extLst>
       <p:ext uri="{BB962C8B-B14F-4D97-AF65-F5344CB8AC3E}">
-        <p14:creationId xmlns="" xmlns:p14="http://schemas.microsoft.com/office/powerpoint/2010/main" val="1187325860"/>
+        <p14:creationId xmlns:p14="http://schemas.microsoft.com/office/powerpoint/2010/main" xmlns="" val="1187325860"/>
       </p:ext>
     </p:extLst>
   </p:cSld>
@@ -13234,7 +13274,7 @@
     <a:masterClrMapping/>
   </p:clrMapOvr>
   <mc:AlternateContent xmlns:mc="http://schemas.openxmlformats.org/markup-compatibility/2006">
-    <mc:Choice xmlns="" xmlns:p14="http://schemas.microsoft.com/office/powerpoint/2010/main" Requires="p14">
+    <mc:Choice xmlns:p14="http://schemas.microsoft.com/office/powerpoint/2010/main" xmlns="" Requires="p14">
       <p:transition spd="slow" p14:dur="2000"/>
     </mc:Choice>
     <mc:Fallback>
@@ -13387,13 +13427,7 @@
               <a:rPr lang="pt-BR" b="1" dirty="0" smtClean="0">
                 <a:hlinkClick r:id="rId2"/>
               </a:rPr>
-              <a:t>https://github.com/&lt;usuario&gt;/&lt;</a:t>
-            </a:r>
-            <a:r>
-              <a:rPr lang="pt-BR" b="1" dirty="0" smtClean="0">
-                <a:hlinkClick r:id="rId2"/>
-              </a:rPr>
-              <a:t>repositorio_do_projeto/sua_equipe</a:t>
+              <a:t>https://github.com/&lt;usuario&gt;/&lt;repositorio_do_projeto/sua_equipe</a:t>
             </a:r>
             <a:r>
               <a:rPr lang="pt-BR" b="1" dirty="0" smtClean="0"/>
@@ -13401,11 +13435,7 @@
             </a:r>
             <a:r>
               <a:rPr lang="pt-BR" dirty="0" smtClean="0"/>
-              <a:t>para </a:t>
-            </a:r>
-            <a:r>
-              <a:rPr lang="pt-BR" dirty="0" smtClean="0"/>
-              <a:t>definir em que repositório do </a:t>
+              <a:t>para definir em que repositório do </a:t>
             </a:r>
             <a:r>
               <a:rPr lang="pt-BR" dirty="0" err="1" smtClean="0"/>
@@ -13559,7 +13589,7 @@
     </p:spTree>
     <p:extLst>
       <p:ext uri="{BB962C8B-B14F-4D97-AF65-F5344CB8AC3E}">
-        <p14:creationId xmlns="" xmlns:p14="http://schemas.microsoft.com/office/powerpoint/2010/main" val="1187325860"/>
+        <p14:creationId xmlns:p14="http://schemas.microsoft.com/office/powerpoint/2010/main" xmlns="" val="1187325860"/>
       </p:ext>
     </p:extLst>
   </p:cSld>
@@ -13567,7 +13597,7 @@
     <a:masterClrMapping/>
   </p:clrMapOvr>
   <mc:AlternateContent xmlns:mc="http://schemas.openxmlformats.org/markup-compatibility/2006">
-    <mc:Choice xmlns="" xmlns:p14="http://schemas.microsoft.com/office/powerpoint/2010/main" Requires="p14">
+    <mc:Choice xmlns:p14="http://schemas.microsoft.com/office/powerpoint/2010/main" xmlns="" Requires="p14">
       <p:transition spd="slow" p14:dur="2000"/>
     </mc:Choice>
     <mc:Fallback>
@@ -13821,7 +13851,7 @@
   <a:extraClrSchemeLst/>
   <a:extLst>
     <a:ext uri="{05A4C25C-085E-4340-85A3-A5531E510DB2}">
-      <thm15:themeFamily xmlns="" xmlns:thm15="http://schemas.microsoft.com/office/thememl/2012/main" name="Wisp" id="{7CB32D59-10C0-40DD-B7BD-2E94284A981C}" vid="{4F34B87B-9C7A-41AE-A6CB-48536223DFFD}"/>
+      <thm15:themeFamily xmlns:thm15="http://schemas.microsoft.com/office/thememl/2012/main" xmlns="" name="Wisp" id="{7CB32D59-10C0-40DD-B7BD-2E94284A981C}" vid="{4F34B87B-9C7A-41AE-A6CB-48536223DFFD}"/>
     </a:ext>
   </a:extLst>
 </a:theme>
@@ -14082,7 +14112,7 @@
   <a:extraClrSchemeLst/>
   <a:extLst>
     <a:ext uri="{05A4C25C-085E-4340-85A3-A5531E510DB2}">
-      <thm15:themeFamily xmlns="" xmlns:thm15="http://schemas.microsoft.com/office/thememl/2012/main" name="Office Theme" id="{62F939B6-93AF-4DB8-9C6B-D6C7DFDC589F}" vid="{4A3C46E8-61CC-4603-A589-7422A47A8E4A}"/>
+      <thm15:themeFamily xmlns:thm15="http://schemas.microsoft.com/office/thememl/2012/main" xmlns="" name="Office Theme" id="{62F939B6-93AF-4DB8-9C6B-D6C7DFDC589F}" vid="{4A3C46E8-61CC-4603-A589-7422A47A8E4A}"/>
     </a:ext>
   </a:extLst>
 </a:theme>
